--- a/作业讲解_任鸿宇.pptx
+++ b/作业讲解_任鸿宇.pptx
@@ -7,27 +7,29 @@
   <p:sldIdLst>
     <p:sldId id="256" r:id="rId3"/>
     <p:sldId id="257" r:id="rId4"/>
-    <p:sldId id="258" r:id="rId5"/>
-    <p:sldId id="259" r:id="rId6"/>
-    <p:sldId id="261" r:id="rId7"/>
-    <p:sldId id="268" r:id="rId8"/>
-    <p:sldId id="262" r:id="rId9"/>
-    <p:sldId id="264" r:id="rId10"/>
-    <p:sldId id="269" r:id="rId11"/>
-    <p:sldId id="270" r:id="rId12"/>
-    <p:sldId id="265" r:id="rId13"/>
-    <p:sldId id="266" r:id="rId14"/>
-    <p:sldId id="271" r:id="rId15"/>
-    <p:sldId id="272" r:id="rId16"/>
-    <p:sldId id="273" r:id="rId17"/>
-    <p:sldId id="267" r:id="rId18"/>
-    <p:sldId id="263" r:id="rId19"/>
-    <p:sldId id="274" r:id="rId20"/>
-    <p:sldId id="275" r:id="rId21"/>
-    <p:sldId id="276" r:id="rId22"/>
-    <p:sldId id="277" r:id="rId23"/>
-    <p:sldId id="278" r:id="rId24"/>
-    <p:sldId id="280" r:id="rId25"/>
+    <p:sldId id="281" r:id="rId5"/>
+    <p:sldId id="282" r:id="rId6"/>
+    <p:sldId id="258" r:id="rId7"/>
+    <p:sldId id="261" r:id="rId8"/>
+    <p:sldId id="259" r:id="rId9"/>
+    <p:sldId id="268" r:id="rId10"/>
+    <p:sldId id="262" r:id="rId11"/>
+    <p:sldId id="264" r:id="rId12"/>
+    <p:sldId id="269" r:id="rId13"/>
+    <p:sldId id="270" r:id="rId14"/>
+    <p:sldId id="265" r:id="rId15"/>
+    <p:sldId id="266" r:id="rId16"/>
+    <p:sldId id="271" r:id="rId17"/>
+    <p:sldId id="272" r:id="rId18"/>
+    <p:sldId id="273" r:id="rId19"/>
+    <p:sldId id="267" r:id="rId20"/>
+    <p:sldId id="263" r:id="rId21"/>
+    <p:sldId id="274" r:id="rId22"/>
+    <p:sldId id="275" r:id="rId23"/>
+    <p:sldId id="276" r:id="rId24"/>
+    <p:sldId id="277" r:id="rId25"/>
+    <p:sldId id="278" r:id="rId26"/>
+    <p:sldId id="280" r:id="rId27"/>
   </p:sldIdLst>
   <p:sldSz cx="12192000" cy="6858000"/>
   <p:notesSz cx="6858000" cy="9144000"/>
@@ -3223,6 +3225,144 @@
         </p:blipFill>
         <p:spPr>
           <a:xfrm>
+            <a:off x="3619500" y="1511935"/>
+            <a:ext cx="8572500" cy="5346065"/>
+          </a:xfrm>
+          <a:prstGeom prst="rect">
+            <a:avLst/>
+          </a:prstGeom>
+        </p:spPr>
+      </p:pic>
+    </p:spTree>
+    <p:custDataLst>
+      <p:tags r:id="rId2"/>
+    </p:custDataLst>
+  </p:cSld>
+  <p:clrMapOvr>
+    <a:masterClrMapping/>
+  </p:clrMapOvr>
+</p:sld>
+</file>
+
+<file path=ppt/slides/slide11.xml><?xml version="1.0" encoding="utf-8"?>
+<p:sld xmlns:a="http://schemas.openxmlformats.org/drawingml/2006/main" xmlns:r="http://schemas.openxmlformats.org/officeDocument/2006/relationships" xmlns:p="http://schemas.openxmlformats.org/presentationml/2006/main">
+  <p:cSld>
+    <p:spTree>
+      <p:nvGrpSpPr>
+        <p:cNvPr id="1" name=""/>
+        <p:cNvGrpSpPr/>
+        <p:nvPr/>
+      </p:nvGrpSpPr>
+      <p:grpSpPr/>
+      <p:sp>
+        <p:nvSpPr>
+          <p:cNvPr id="2" name="标题 1"/>
+          <p:cNvSpPr>
+            <a:spLocks noGrp="1"/>
+          </p:cNvSpPr>
+          <p:nvPr>
+            <p:ph type="title"/>
+          </p:nvPr>
+        </p:nvSpPr>
+        <p:spPr/>
+        <p:txBody>
+          <a:bodyPr/>
+          <a:p>
+            <a:r>
+              <a:rPr lang="en-US" altLang="zh-CN"/>
+              <a:t>agents\hyp.py</a:t>
+            </a:r>
+            <a:endParaRPr lang="en-US" altLang="zh-CN"/>
+          </a:p>
+        </p:txBody>
+      </p:sp>
+      <p:pic>
+        <p:nvPicPr>
+          <p:cNvPr id="4" name="内容占位符 3"/>
+          <p:cNvPicPr>
+            <a:picLocks noChangeAspect="1"/>
+          </p:cNvPicPr>
+          <p:nvPr>
+            <p:ph idx="1"/>
+          </p:nvPr>
+        </p:nvPicPr>
+        <p:blipFill>
+          <a:blip r:embed="rId1"/>
+          <a:stretch>
+            <a:fillRect/>
+          </a:stretch>
+        </p:blipFill>
+        <p:spPr>
+          <a:xfrm>
+            <a:off x="2733040" y="1683385"/>
+            <a:ext cx="7667625" cy="4759325"/>
+          </a:xfrm>
+          <a:prstGeom prst="rect">
+            <a:avLst/>
+          </a:prstGeom>
+        </p:spPr>
+      </p:pic>
+    </p:spTree>
+    <p:custDataLst>
+      <p:tags r:id="rId2"/>
+    </p:custDataLst>
+  </p:cSld>
+  <p:clrMapOvr>
+    <a:masterClrMapping/>
+  </p:clrMapOvr>
+</p:sld>
+</file>
+
+<file path=ppt/slides/slide12.xml><?xml version="1.0" encoding="utf-8"?>
+<p:sld xmlns:a="http://schemas.openxmlformats.org/drawingml/2006/main" xmlns:r="http://schemas.openxmlformats.org/officeDocument/2006/relationships" xmlns:p="http://schemas.openxmlformats.org/presentationml/2006/main">
+  <p:cSld>
+    <p:spTree>
+      <p:nvGrpSpPr>
+        <p:cNvPr id="1" name=""/>
+        <p:cNvGrpSpPr/>
+        <p:nvPr/>
+      </p:nvGrpSpPr>
+      <p:grpSpPr/>
+      <p:sp>
+        <p:nvSpPr>
+          <p:cNvPr id="2" name="标题 1"/>
+          <p:cNvSpPr>
+            <a:spLocks noGrp="1"/>
+          </p:cNvSpPr>
+          <p:nvPr>
+            <p:ph type="title"/>
+          </p:nvPr>
+        </p:nvSpPr>
+        <p:spPr/>
+        <p:txBody>
+          <a:bodyPr/>
+          <a:p>
+            <a:r>
+              <a:rPr lang="en-US" altLang="zh-CN"/>
+              <a:t>agents\hyp.py</a:t>
+            </a:r>
+            <a:endParaRPr lang="en-US" altLang="zh-CN"/>
+          </a:p>
+        </p:txBody>
+      </p:sp>
+      <p:pic>
+        <p:nvPicPr>
+          <p:cNvPr id="4" name="内容占位符 3"/>
+          <p:cNvPicPr>
+            <a:picLocks noChangeAspect="1"/>
+          </p:cNvPicPr>
+          <p:nvPr>
+            <p:ph idx="1"/>
+          </p:nvPr>
+        </p:nvPicPr>
+        <p:blipFill>
+          <a:blip r:embed="rId1"/>
+          <a:stretch>
+            <a:fillRect/>
+          </a:stretch>
+        </p:blipFill>
+        <p:spPr>
+          <a:xfrm>
             <a:off x="2129155" y="1490345"/>
             <a:ext cx="7926070" cy="4759325"/>
           </a:xfrm>
@@ -3242,7 +3382,7 @@
 </p:sld>
 </file>
 
-<file path=ppt/slides/slide11.xml><?xml version="1.0" encoding="utf-8"?>
+<file path=ppt/slides/slide13.xml><?xml version="1.0" encoding="utf-8"?>
 <p:sld xmlns:a="http://schemas.openxmlformats.org/drawingml/2006/main" xmlns:r="http://schemas.openxmlformats.org/officeDocument/2006/relationships" xmlns:p="http://schemas.openxmlformats.org/presentationml/2006/main">
   <p:cSld>
     <p:spTree>
@@ -3311,7 +3451,7 @@
 </p:sld>
 </file>
 
-<file path=ppt/slides/slide12.xml><?xml version="1.0" encoding="utf-8"?>
+<file path=ppt/slides/slide14.xml><?xml version="1.0" encoding="utf-8"?>
 <p:sld xmlns:a="http://schemas.openxmlformats.org/drawingml/2006/main" xmlns:r="http://schemas.openxmlformats.org/officeDocument/2006/relationships" xmlns:p="http://schemas.openxmlformats.org/presentationml/2006/main">
   <p:cSld>
     <p:spTree>
@@ -3380,7 +3520,7 @@
 </p:sld>
 </file>
 
-<file path=ppt/slides/slide13.xml><?xml version="1.0" encoding="utf-8"?>
+<file path=ppt/slides/slide15.xml><?xml version="1.0" encoding="utf-8"?>
 <p:sld xmlns:a="http://schemas.openxmlformats.org/drawingml/2006/main" xmlns:r="http://schemas.openxmlformats.org/officeDocument/2006/relationships" xmlns:p="http://schemas.openxmlformats.org/presentationml/2006/main">
   <p:cSld>
     <p:spTree>
@@ -3449,7 +3589,7 @@
 </p:sld>
 </file>
 
-<file path=ppt/slides/slide14.xml><?xml version="1.0" encoding="utf-8"?>
+<file path=ppt/slides/slide16.xml><?xml version="1.0" encoding="utf-8"?>
 <p:sld xmlns:a="http://schemas.openxmlformats.org/drawingml/2006/main" xmlns:r="http://schemas.openxmlformats.org/officeDocument/2006/relationships" xmlns:p="http://schemas.openxmlformats.org/presentationml/2006/main">
   <p:cSld>
     <p:spTree>
@@ -3518,7 +3658,7 @@
 </p:sld>
 </file>
 
-<file path=ppt/slides/slide15.xml><?xml version="1.0" encoding="utf-8"?>
+<file path=ppt/slides/slide17.xml><?xml version="1.0" encoding="utf-8"?>
 <p:sld xmlns:a="http://schemas.openxmlformats.org/drawingml/2006/main" xmlns:r="http://schemas.openxmlformats.org/officeDocument/2006/relationships" xmlns:p="http://schemas.openxmlformats.org/presentationml/2006/main">
   <p:cSld>
     <p:spTree>
@@ -3587,7 +3727,7 @@
 </p:sld>
 </file>
 
-<file path=ppt/slides/slide16.xml><?xml version="1.0" encoding="utf-8"?>
+<file path=ppt/slides/slide18.xml><?xml version="1.0" encoding="utf-8"?>
 <p:sld xmlns:a="http://schemas.openxmlformats.org/drawingml/2006/main" xmlns:r="http://schemas.openxmlformats.org/officeDocument/2006/relationships" xmlns:p="http://schemas.openxmlformats.org/presentationml/2006/main">
   <p:cSld>
     <p:spTree>
@@ -3656,7 +3796,7 @@
 </p:sld>
 </file>
 
-<file path=ppt/slides/slide17.xml><?xml version="1.0" encoding="utf-8"?>
+<file path=ppt/slides/slide19.xml><?xml version="1.0" encoding="utf-8"?>
 <p:sld xmlns:a="http://schemas.openxmlformats.org/drawingml/2006/main" xmlns:r="http://schemas.openxmlformats.org/officeDocument/2006/relationships" xmlns:p="http://schemas.openxmlformats.org/presentationml/2006/main">
   <p:cSld>
     <p:spTree>
@@ -3733,7 +3873,80 @@
 </p:sld>
 </file>
 
-<file path=ppt/slides/slide18.xml><?xml version="1.0" encoding="utf-8"?>
+<file path=ppt/slides/slide2.xml><?xml version="1.0" encoding="utf-8"?>
+<p:sld xmlns:a="http://schemas.openxmlformats.org/drawingml/2006/main" xmlns:r="http://schemas.openxmlformats.org/officeDocument/2006/relationships" xmlns:p="http://schemas.openxmlformats.org/presentationml/2006/main">
+  <p:cSld>
+    <p:spTree>
+      <p:nvGrpSpPr>
+        <p:cNvPr id="1" name=""/>
+        <p:cNvGrpSpPr/>
+        <p:nvPr/>
+      </p:nvGrpSpPr>
+      <p:grpSpPr/>
+      <p:sp>
+        <p:nvSpPr>
+          <p:cNvPr id="2" name="标题 1"/>
+          <p:cNvSpPr>
+            <a:spLocks noGrp="1"/>
+          </p:cNvSpPr>
+          <p:nvPr>
+            <p:ph type="title"/>
+          </p:nvPr>
+        </p:nvSpPr>
+        <p:spPr/>
+        <p:txBody>
+          <a:bodyPr/>
+          <a:p>
+            <a:r>
+              <a:rPr lang="zh-CN" altLang="en-US"/>
+              <a:t>项目目录</a:t>
+            </a:r>
+            <a:r>
+              <a:rPr lang="zh-CN" altLang="en-US"/>
+              <a:t>结构</a:t>
+            </a:r>
+            <a:endParaRPr lang="zh-CN" altLang="en-US"/>
+          </a:p>
+        </p:txBody>
+      </p:sp>
+      <p:pic>
+        <p:nvPicPr>
+          <p:cNvPr id="4" name="内容占位符 3"/>
+          <p:cNvPicPr>
+            <a:picLocks noChangeAspect="1"/>
+          </p:cNvPicPr>
+          <p:nvPr>
+            <p:ph idx="1"/>
+          </p:nvPr>
+        </p:nvPicPr>
+        <p:blipFill>
+          <a:blip r:embed="rId1"/>
+          <a:stretch>
+            <a:fillRect/>
+          </a:stretch>
+        </p:blipFill>
+        <p:spPr>
+          <a:xfrm>
+            <a:off x="4726940" y="1409700"/>
+            <a:ext cx="6313170" cy="4759325"/>
+          </a:xfrm>
+          <a:prstGeom prst="rect">
+            <a:avLst/>
+          </a:prstGeom>
+        </p:spPr>
+      </p:pic>
+    </p:spTree>
+    <p:custDataLst>
+      <p:tags r:id="rId2"/>
+    </p:custDataLst>
+  </p:cSld>
+  <p:clrMapOvr>
+    <a:masterClrMapping/>
+  </p:clrMapOvr>
+</p:sld>
+</file>
+
+<file path=ppt/slides/slide20.xml><?xml version="1.0" encoding="utf-8"?>
 <p:sld xmlns:a="http://schemas.openxmlformats.org/drawingml/2006/main" xmlns:r="http://schemas.openxmlformats.org/officeDocument/2006/relationships" xmlns:p="http://schemas.openxmlformats.org/presentationml/2006/main">
   <p:cSld>
     <p:spTree>
@@ -3810,7 +4023,7 @@
 </p:sld>
 </file>
 
-<file path=ppt/slides/slide19.xml><?xml version="1.0" encoding="utf-8"?>
+<file path=ppt/slides/slide21.xml><?xml version="1.0" encoding="utf-8"?>
 <p:sld xmlns:a="http://schemas.openxmlformats.org/drawingml/2006/main" xmlns:r="http://schemas.openxmlformats.org/officeDocument/2006/relationships" xmlns:p="http://schemas.openxmlformats.org/presentationml/2006/main">
   <p:cSld>
     <p:spTree>
@@ -3887,80 +4100,7 @@
 </p:sld>
 </file>
 
-<file path=ppt/slides/slide2.xml><?xml version="1.0" encoding="utf-8"?>
-<p:sld xmlns:a="http://schemas.openxmlformats.org/drawingml/2006/main" xmlns:r="http://schemas.openxmlformats.org/officeDocument/2006/relationships" xmlns:p="http://schemas.openxmlformats.org/presentationml/2006/main">
-  <p:cSld>
-    <p:spTree>
-      <p:nvGrpSpPr>
-        <p:cNvPr id="1" name=""/>
-        <p:cNvGrpSpPr/>
-        <p:nvPr/>
-      </p:nvGrpSpPr>
-      <p:grpSpPr/>
-      <p:sp>
-        <p:nvSpPr>
-          <p:cNvPr id="2" name="标题 1"/>
-          <p:cNvSpPr>
-            <a:spLocks noGrp="1"/>
-          </p:cNvSpPr>
-          <p:nvPr>
-            <p:ph type="title"/>
-          </p:nvPr>
-        </p:nvSpPr>
-        <p:spPr/>
-        <p:txBody>
-          <a:bodyPr/>
-          <a:p>
-            <a:r>
-              <a:rPr lang="zh-CN" altLang="en-US"/>
-              <a:t>项目目录</a:t>
-            </a:r>
-            <a:r>
-              <a:rPr lang="zh-CN" altLang="en-US"/>
-              <a:t>结构</a:t>
-            </a:r>
-            <a:endParaRPr lang="zh-CN" altLang="en-US"/>
-          </a:p>
-        </p:txBody>
-      </p:sp>
-      <p:pic>
-        <p:nvPicPr>
-          <p:cNvPr id="4" name="内容占位符 3"/>
-          <p:cNvPicPr>
-            <a:picLocks noChangeAspect="1"/>
-          </p:cNvPicPr>
-          <p:nvPr>
-            <p:ph idx="1"/>
-          </p:nvPr>
-        </p:nvPicPr>
-        <p:blipFill>
-          <a:blip r:embed="rId1"/>
-          <a:stretch>
-            <a:fillRect/>
-          </a:stretch>
-        </p:blipFill>
-        <p:spPr>
-          <a:xfrm>
-            <a:off x="4726940" y="1409700"/>
-            <a:ext cx="6313170" cy="4759325"/>
-          </a:xfrm>
-          <a:prstGeom prst="rect">
-            <a:avLst/>
-          </a:prstGeom>
-        </p:spPr>
-      </p:pic>
-    </p:spTree>
-    <p:custDataLst>
-      <p:tags r:id="rId2"/>
-    </p:custDataLst>
-  </p:cSld>
-  <p:clrMapOvr>
-    <a:masterClrMapping/>
-  </p:clrMapOvr>
-</p:sld>
-</file>
-
-<file path=ppt/slides/slide20.xml><?xml version="1.0" encoding="utf-8"?>
+<file path=ppt/slides/slide22.xml><?xml version="1.0" encoding="utf-8"?>
 <p:sld xmlns:a="http://schemas.openxmlformats.org/drawingml/2006/main" xmlns:r="http://schemas.openxmlformats.org/officeDocument/2006/relationships" xmlns:p="http://schemas.openxmlformats.org/presentationml/2006/main">
   <p:cSld>
     <p:spTree>
@@ -4037,7 +4177,7 @@
 </p:sld>
 </file>
 
-<file path=ppt/slides/slide21.xml><?xml version="1.0" encoding="utf-8"?>
+<file path=ppt/slides/slide23.xml><?xml version="1.0" encoding="utf-8"?>
 <p:sld xmlns:a="http://schemas.openxmlformats.org/drawingml/2006/main" xmlns:r="http://schemas.openxmlformats.org/officeDocument/2006/relationships" xmlns:p="http://schemas.openxmlformats.org/presentationml/2006/main">
   <p:cSld>
     <p:spTree>
@@ -4114,7 +4254,7 @@
 </p:sld>
 </file>
 
-<file path=ppt/slides/slide22.xml><?xml version="1.0" encoding="utf-8"?>
+<file path=ppt/slides/slide24.xml><?xml version="1.0" encoding="utf-8"?>
 <p:sld xmlns:a="http://schemas.openxmlformats.org/drawingml/2006/main" xmlns:r="http://schemas.openxmlformats.org/officeDocument/2006/relationships" xmlns:p="http://schemas.openxmlformats.org/presentationml/2006/main">
   <p:cSld>
     <p:spTree>
@@ -4191,7 +4331,7 @@
 </p:sld>
 </file>
 
-<file path=ppt/slides/slide23.xml><?xml version="1.0" encoding="utf-8"?>
+<file path=ppt/slides/slide25.xml><?xml version="1.0" encoding="utf-8"?>
 <p:sld xmlns:a="http://schemas.openxmlformats.org/drawingml/2006/main" xmlns:r="http://schemas.openxmlformats.org/officeDocument/2006/relationships" xmlns:p="http://schemas.openxmlformats.org/presentationml/2006/main">
   <p:cSld>
     <p:spTree>
@@ -4246,6 +4386,136 @@
 </file>
 
 <file path=ppt/slides/slide3.xml><?xml version="1.0" encoding="utf-8"?>
+<p:sld xmlns:a="http://schemas.openxmlformats.org/drawingml/2006/main" xmlns:r="http://schemas.openxmlformats.org/officeDocument/2006/relationships" xmlns:p="http://schemas.openxmlformats.org/presentationml/2006/main">
+  <p:cSld>
+    <p:spTree>
+      <p:nvGrpSpPr>
+        <p:cNvPr id="1" name=""/>
+        <p:cNvGrpSpPr/>
+        <p:nvPr/>
+      </p:nvGrpSpPr>
+      <p:grpSpPr/>
+      <p:sp>
+        <p:nvSpPr>
+          <p:cNvPr id="2" name="标题 1"/>
+          <p:cNvSpPr>
+            <a:spLocks noGrp="1"/>
+          </p:cNvSpPr>
+          <p:nvPr>
+            <p:ph type="title"/>
+          </p:nvPr>
+        </p:nvSpPr>
+        <p:spPr/>
+        <p:txBody>
+          <a:bodyPr/>
+          <a:p>
+            <a:endParaRPr lang="zh-CN" altLang="en-US"/>
+          </a:p>
+        </p:txBody>
+      </p:sp>
+      <p:pic>
+        <p:nvPicPr>
+          <p:cNvPr id="4" name="内容占位符 3"/>
+          <p:cNvPicPr>
+            <a:picLocks noChangeAspect="1"/>
+          </p:cNvPicPr>
+          <p:nvPr>
+            <p:ph idx="1"/>
+          </p:nvPr>
+        </p:nvPicPr>
+        <p:blipFill>
+          <a:blip r:embed="rId1"/>
+          <a:stretch>
+            <a:fillRect/>
+          </a:stretch>
+        </p:blipFill>
+        <p:spPr>
+          <a:xfrm>
+            <a:off x="469900" y="608330"/>
+            <a:ext cx="11429365" cy="5121910"/>
+          </a:xfrm>
+          <a:prstGeom prst="rect">
+            <a:avLst/>
+          </a:prstGeom>
+        </p:spPr>
+      </p:pic>
+    </p:spTree>
+    <p:custDataLst>
+      <p:tags r:id="rId2"/>
+    </p:custDataLst>
+  </p:cSld>
+  <p:clrMapOvr>
+    <a:masterClrMapping/>
+  </p:clrMapOvr>
+</p:sld>
+</file>
+
+<file path=ppt/slides/slide4.xml><?xml version="1.0" encoding="utf-8"?>
+<p:sld xmlns:a="http://schemas.openxmlformats.org/drawingml/2006/main" xmlns:r="http://schemas.openxmlformats.org/officeDocument/2006/relationships" xmlns:p="http://schemas.openxmlformats.org/presentationml/2006/main">
+  <p:cSld>
+    <p:spTree>
+      <p:nvGrpSpPr>
+        <p:cNvPr id="1" name=""/>
+        <p:cNvGrpSpPr/>
+        <p:nvPr/>
+      </p:nvGrpSpPr>
+      <p:grpSpPr/>
+      <p:sp>
+        <p:nvSpPr>
+          <p:cNvPr id="2" name="标题 1"/>
+          <p:cNvSpPr>
+            <a:spLocks noGrp="1"/>
+          </p:cNvSpPr>
+          <p:nvPr>
+            <p:ph type="title"/>
+          </p:nvPr>
+        </p:nvSpPr>
+        <p:spPr/>
+        <p:txBody>
+          <a:bodyPr/>
+          <a:p>
+            <a:endParaRPr lang="zh-CN" altLang="en-US"/>
+          </a:p>
+        </p:txBody>
+      </p:sp>
+      <p:pic>
+        <p:nvPicPr>
+          <p:cNvPr id="4" name="内容占位符 3"/>
+          <p:cNvPicPr>
+            <a:picLocks noChangeAspect="1"/>
+          </p:cNvPicPr>
+          <p:nvPr>
+            <p:ph idx="1"/>
+          </p:nvPr>
+        </p:nvPicPr>
+        <p:blipFill>
+          <a:blip r:embed="rId1"/>
+          <a:stretch>
+            <a:fillRect/>
+          </a:stretch>
+        </p:blipFill>
+        <p:spPr>
+          <a:xfrm>
+            <a:off x="307340" y="608330"/>
+            <a:ext cx="11777345" cy="5367020"/>
+          </a:xfrm>
+          <a:prstGeom prst="rect">
+            <a:avLst/>
+          </a:prstGeom>
+        </p:spPr>
+      </p:pic>
+    </p:spTree>
+    <p:custDataLst>
+      <p:tags r:id="rId2"/>
+    </p:custDataLst>
+  </p:cSld>
+  <p:clrMapOvr>
+    <a:masterClrMapping/>
+  </p:clrMapOvr>
+</p:sld>
+</file>
+
+<file path=ppt/slides/slide5.xml><?xml version="1.0" encoding="utf-8"?>
 <p:sld xmlns:a="http://schemas.openxmlformats.org/drawingml/2006/main" xmlns:r="http://schemas.openxmlformats.org/officeDocument/2006/relationships" xmlns:p="http://schemas.openxmlformats.org/presentationml/2006/main">
   <p:cSld>
     <p:spTree>
@@ -4314,7 +4584,76 @@
 </p:sld>
 </file>
 
-<file path=ppt/slides/slide4.xml><?xml version="1.0" encoding="utf-8"?>
+<file path=ppt/slides/slide6.xml><?xml version="1.0" encoding="utf-8"?>
+<p:sld xmlns:a="http://schemas.openxmlformats.org/drawingml/2006/main" xmlns:r="http://schemas.openxmlformats.org/officeDocument/2006/relationships" xmlns:p="http://schemas.openxmlformats.org/presentationml/2006/main">
+  <p:cSld>
+    <p:spTree>
+      <p:nvGrpSpPr>
+        <p:cNvPr id="1" name=""/>
+        <p:cNvGrpSpPr/>
+        <p:nvPr/>
+      </p:nvGrpSpPr>
+      <p:grpSpPr/>
+      <p:sp>
+        <p:nvSpPr>
+          <p:cNvPr id="2" name="标题 1"/>
+          <p:cNvSpPr>
+            <a:spLocks noGrp="1"/>
+          </p:cNvSpPr>
+          <p:nvPr>
+            <p:ph type="title"/>
+          </p:nvPr>
+        </p:nvSpPr>
+        <p:spPr/>
+        <p:txBody>
+          <a:bodyPr/>
+          <a:p>
+            <a:r>
+              <a:rPr lang="en-US" altLang="zh-CN"/>
+              <a:t>rag\vector_store.py</a:t>
+            </a:r>
+            <a:endParaRPr lang="en-US" altLang="zh-CN"/>
+          </a:p>
+        </p:txBody>
+      </p:sp>
+      <p:pic>
+        <p:nvPicPr>
+          <p:cNvPr id="4" name="内容占位符 3"/>
+          <p:cNvPicPr>
+            <a:picLocks noChangeAspect="1"/>
+          </p:cNvPicPr>
+          <p:nvPr>
+            <p:ph idx="1"/>
+          </p:nvPr>
+        </p:nvPicPr>
+        <p:blipFill>
+          <a:blip r:embed="rId1"/>
+          <a:stretch>
+            <a:fillRect/>
+          </a:stretch>
+        </p:blipFill>
+        <p:spPr>
+          <a:xfrm>
+            <a:off x="1625600" y="1490345"/>
+            <a:ext cx="8933180" cy="4759325"/>
+          </a:xfrm>
+          <a:prstGeom prst="rect">
+            <a:avLst/>
+          </a:prstGeom>
+        </p:spPr>
+      </p:pic>
+    </p:spTree>
+    <p:custDataLst>
+      <p:tags r:id="rId2"/>
+    </p:custDataLst>
+  </p:cSld>
+  <p:clrMapOvr>
+    <a:masterClrMapping/>
+  </p:clrMapOvr>
+</p:sld>
+</file>
+
+<file path=ppt/slides/slide7.xml><?xml version="1.0" encoding="utf-8"?>
 <p:sld xmlns:a="http://schemas.openxmlformats.org/drawingml/2006/main" xmlns:r="http://schemas.openxmlformats.org/officeDocument/2006/relationships" xmlns:p="http://schemas.openxmlformats.org/presentationml/2006/main">
   <p:cSld>
     <p:spTree>
@@ -4385,76 +4724,7 @@
 </p:sld>
 </file>
 
-<file path=ppt/slides/slide5.xml><?xml version="1.0" encoding="utf-8"?>
-<p:sld xmlns:a="http://schemas.openxmlformats.org/drawingml/2006/main" xmlns:r="http://schemas.openxmlformats.org/officeDocument/2006/relationships" xmlns:p="http://schemas.openxmlformats.org/presentationml/2006/main">
-  <p:cSld>
-    <p:spTree>
-      <p:nvGrpSpPr>
-        <p:cNvPr id="1" name=""/>
-        <p:cNvGrpSpPr/>
-        <p:nvPr/>
-      </p:nvGrpSpPr>
-      <p:grpSpPr/>
-      <p:sp>
-        <p:nvSpPr>
-          <p:cNvPr id="2" name="标题 1"/>
-          <p:cNvSpPr>
-            <a:spLocks noGrp="1"/>
-          </p:cNvSpPr>
-          <p:nvPr>
-            <p:ph type="title"/>
-          </p:nvPr>
-        </p:nvSpPr>
-        <p:spPr/>
-        <p:txBody>
-          <a:bodyPr/>
-          <a:p>
-            <a:r>
-              <a:rPr lang="en-US" altLang="zh-CN"/>
-              <a:t>rag\vector_store.py</a:t>
-            </a:r>
-            <a:endParaRPr lang="en-US" altLang="zh-CN"/>
-          </a:p>
-        </p:txBody>
-      </p:sp>
-      <p:pic>
-        <p:nvPicPr>
-          <p:cNvPr id="4" name="内容占位符 3"/>
-          <p:cNvPicPr>
-            <a:picLocks noChangeAspect="1"/>
-          </p:cNvPicPr>
-          <p:nvPr>
-            <p:ph idx="1"/>
-          </p:nvPr>
-        </p:nvPicPr>
-        <p:blipFill>
-          <a:blip r:embed="rId1"/>
-          <a:stretch>
-            <a:fillRect/>
-          </a:stretch>
-        </p:blipFill>
-        <p:spPr>
-          <a:xfrm>
-            <a:off x="1625600" y="1490345"/>
-            <a:ext cx="8933180" cy="4759325"/>
-          </a:xfrm>
-          <a:prstGeom prst="rect">
-            <a:avLst/>
-          </a:prstGeom>
-        </p:spPr>
-      </p:pic>
-    </p:spTree>
-    <p:custDataLst>
-      <p:tags r:id="rId2"/>
-    </p:custDataLst>
-  </p:cSld>
-  <p:clrMapOvr>
-    <a:masterClrMapping/>
-  </p:clrMapOvr>
-</p:sld>
-</file>
-
-<file path=ppt/slides/slide6.xml><?xml version="1.0" encoding="utf-8"?>
+<file path=ppt/slides/slide8.xml><?xml version="1.0" encoding="utf-8"?>
 <p:sld xmlns:a="http://schemas.openxmlformats.org/drawingml/2006/main" xmlns:r="http://schemas.openxmlformats.org/officeDocument/2006/relationships" xmlns:p="http://schemas.openxmlformats.org/presentationml/2006/main">
   <p:cSld>
     <p:spTree>
@@ -4523,7 +4793,7 @@
 </p:sld>
 </file>
 
-<file path=ppt/slides/slide7.xml><?xml version="1.0" encoding="utf-8"?>
+<file path=ppt/slides/slide9.xml><?xml version="1.0" encoding="utf-8"?>
 <p:sld xmlns:a="http://schemas.openxmlformats.org/drawingml/2006/main" xmlns:r="http://schemas.openxmlformats.org/officeDocument/2006/relationships" xmlns:p="http://schemas.openxmlformats.org/presentationml/2006/main">
   <p:cSld>
     <p:spTree>
@@ -4592,144 +4862,6 @@
 </p:sld>
 </file>
 
-<file path=ppt/slides/slide8.xml><?xml version="1.0" encoding="utf-8"?>
-<p:sld xmlns:a="http://schemas.openxmlformats.org/drawingml/2006/main" xmlns:r="http://schemas.openxmlformats.org/officeDocument/2006/relationships" xmlns:p="http://schemas.openxmlformats.org/presentationml/2006/main">
-  <p:cSld>
-    <p:spTree>
-      <p:nvGrpSpPr>
-        <p:cNvPr id="1" name=""/>
-        <p:cNvGrpSpPr/>
-        <p:nvPr/>
-      </p:nvGrpSpPr>
-      <p:grpSpPr/>
-      <p:sp>
-        <p:nvSpPr>
-          <p:cNvPr id="2" name="标题 1"/>
-          <p:cNvSpPr>
-            <a:spLocks noGrp="1"/>
-          </p:cNvSpPr>
-          <p:nvPr>
-            <p:ph type="title"/>
-          </p:nvPr>
-        </p:nvSpPr>
-        <p:spPr/>
-        <p:txBody>
-          <a:bodyPr/>
-          <a:p>
-            <a:r>
-              <a:rPr lang="en-US" altLang="zh-CN"/>
-              <a:t>agents\hyp.py</a:t>
-            </a:r>
-            <a:endParaRPr lang="en-US" altLang="zh-CN"/>
-          </a:p>
-        </p:txBody>
-      </p:sp>
-      <p:pic>
-        <p:nvPicPr>
-          <p:cNvPr id="4" name="内容占位符 3"/>
-          <p:cNvPicPr>
-            <a:picLocks noChangeAspect="1"/>
-          </p:cNvPicPr>
-          <p:nvPr>
-            <p:ph idx="1"/>
-          </p:nvPr>
-        </p:nvPicPr>
-        <p:blipFill>
-          <a:blip r:embed="rId1"/>
-          <a:stretch>
-            <a:fillRect/>
-          </a:stretch>
-        </p:blipFill>
-        <p:spPr>
-          <a:xfrm>
-            <a:off x="3619500" y="1511935"/>
-            <a:ext cx="8572500" cy="5346065"/>
-          </a:xfrm>
-          <a:prstGeom prst="rect">
-            <a:avLst/>
-          </a:prstGeom>
-        </p:spPr>
-      </p:pic>
-    </p:spTree>
-    <p:custDataLst>
-      <p:tags r:id="rId2"/>
-    </p:custDataLst>
-  </p:cSld>
-  <p:clrMapOvr>
-    <a:masterClrMapping/>
-  </p:clrMapOvr>
-</p:sld>
-</file>
-
-<file path=ppt/slides/slide9.xml><?xml version="1.0" encoding="utf-8"?>
-<p:sld xmlns:a="http://schemas.openxmlformats.org/drawingml/2006/main" xmlns:r="http://schemas.openxmlformats.org/officeDocument/2006/relationships" xmlns:p="http://schemas.openxmlformats.org/presentationml/2006/main">
-  <p:cSld>
-    <p:spTree>
-      <p:nvGrpSpPr>
-        <p:cNvPr id="1" name=""/>
-        <p:cNvGrpSpPr/>
-        <p:nvPr/>
-      </p:nvGrpSpPr>
-      <p:grpSpPr/>
-      <p:sp>
-        <p:nvSpPr>
-          <p:cNvPr id="2" name="标题 1"/>
-          <p:cNvSpPr>
-            <a:spLocks noGrp="1"/>
-          </p:cNvSpPr>
-          <p:nvPr>
-            <p:ph type="title"/>
-          </p:nvPr>
-        </p:nvSpPr>
-        <p:spPr/>
-        <p:txBody>
-          <a:bodyPr/>
-          <a:p>
-            <a:r>
-              <a:rPr lang="en-US" altLang="zh-CN"/>
-              <a:t>agents\hyp.py</a:t>
-            </a:r>
-            <a:endParaRPr lang="en-US" altLang="zh-CN"/>
-          </a:p>
-        </p:txBody>
-      </p:sp>
-      <p:pic>
-        <p:nvPicPr>
-          <p:cNvPr id="4" name="内容占位符 3"/>
-          <p:cNvPicPr>
-            <a:picLocks noChangeAspect="1"/>
-          </p:cNvPicPr>
-          <p:nvPr>
-            <p:ph idx="1"/>
-          </p:nvPr>
-        </p:nvPicPr>
-        <p:blipFill>
-          <a:blip r:embed="rId1"/>
-          <a:stretch>
-            <a:fillRect/>
-          </a:stretch>
-        </p:blipFill>
-        <p:spPr>
-          <a:xfrm>
-            <a:off x="2733040" y="1683385"/>
-            <a:ext cx="7667625" cy="4759325"/>
-          </a:xfrm>
-          <a:prstGeom prst="rect">
-            <a:avLst/>
-          </a:prstGeom>
-        </p:spPr>
-      </p:pic>
-    </p:spTree>
-    <p:custDataLst>
-      <p:tags r:id="rId2"/>
-    </p:custDataLst>
-  </p:cSld>
-  <p:clrMapOvr>
-    <a:masterClrMapping/>
-  </p:clrMapOvr>
-</p:sld>
-</file>
-
 <file path=ppt/tags/tag1.xml><?xml version="1.0" encoding="utf-8"?>
 <p:tagLst xmlns:p="http://schemas.openxmlformats.org/presentationml/2006/main">
   <p:tag name="KSO_WM_UNIT_HIGHLIGHT" val="0"/>
@@ -5762,6 +5894,22 @@
 </file>
 
 <file path=ppt/tags/tag87.xml><?xml version="1.0" encoding="utf-8"?>
+<p:tagLst xmlns:p="http://schemas.openxmlformats.org/presentationml/2006/main">
+  <p:tag name="KSO_WM_BEAUTIFY_FLAG" val="#wm#"/>
+  <p:tag name="KSO_WM_TEMPLATE_CATEGORY" val="custom"/>
+  <p:tag name="KSO_WM_TEMPLATE_INDEX" val="20205081"/>
+</p:tagLst>
+</file>
+
+<file path=ppt/tags/tag88.xml><?xml version="1.0" encoding="utf-8"?>
+<p:tagLst xmlns:p="http://schemas.openxmlformats.org/presentationml/2006/main">
+  <p:tag name="KSO_WM_BEAUTIFY_FLAG" val="#wm#"/>
+  <p:tag name="KSO_WM_TEMPLATE_CATEGORY" val="custom"/>
+  <p:tag name="KSO_WM_TEMPLATE_INDEX" val="20205081"/>
+</p:tagLst>
+</file>
+
+<file path=ppt/tags/tag89.xml><?xml version="1.0" encoding="utf-8"?>
 <p:tagLst xmlns:p="http://schemas.openxmlformats.org/presentationml/2006/main">
   <p:tag name="KSO_WM_BEAUTIFY_FLAG" val="#wm#"/>
   <p:tag name="KSO_WM_TEMPLATE_CATEGORY" val="custom"/>

--- a/作业讲解_任鸿宇.pptx
+++ b/作业讲解_任鸿宇.pptx
@@ -6,30 +6,31 @@
   </p:sldMasterIdLst>
   <p:sldIdLst>
     <p:sldId id="256" r:id="rId3"/>
-    <p:sldId id="257" r:id="rId4"/>
-    <p:sldId id="281" r:id="rId5"/>
-    <p:sldId id="282" r:id="rId6"/>
-    <p:sldId id="258" r:id="rId7"/>
-    <p:sldId id="261" r:id="rId8"/>
-    <p:sldId id="259" r:id="rId9"/>
-    <p:sldId id="268" r:id="rId10"/>
-    <p:sldId id="262" r:id="rId11"/>
-    <p:sldId id="264" r:id="rId12"/>
-    <p:sldId id="269" r:id="rId13"/>
-    <p:sldId id="270" r:id="rId14"/>
-    <p:sldId id="265" r:id="rId15"/>
-    <p:sldId id="266" r:id="rId16"/>
-    <p:sldId id="271" r:id="rId17"/>
-    <p:sldId id="272" r:id="rId18"/>
-    <p:sldId id="273" r:id="rId19"/>
-    <p:sldId id="267" r:id="rId20"/>
-    <p:sldId id="263" r:id="rId21"/>
-    <p:sldId id="274" r:id="rId22"/>
-    <p:sldId id="275" r:id="rId23"/>
-    <p:sldId id="276" r:id="rId24"/>
-    <p:sldId id="277" r:id="rId25"/>
-    <p:sldId id="278" r:id="rId26"/>
-    <p:sldId id="280" r:id="rId27"/>
+    <p:sldId id="283" r:id="rId4"/>
+    <p:sldId id="257" r:id="rId5"/>
+    <p:sldId id="281" r:id="rId6"/>
+    <p:sldId id="282" r:id="rId7"/>
+    <p:sldId id="258" r:id="rId8"/>
+    <p:sldId id="261" r:id="rId9"/>
+    <p:sldId id="259" r:id="rId10"/>
+    <p:sldId id="268" r:id="rId11"/>
+    <p:sldId id="262" r:id="rId12"/>
+    <p:sldId id="264" r:id="rId13"/>
+    <p:sldId id="269" r:id="rId14"/>
+    <p:sldId id="270" r:id="rId15"/>
+    <p:sldId id="265" r:id="rId16"/>
+    <p:sldId id="266" r:id="rId17"/>
+    <p:sldId id="271" r:id="rId18"/>
+    <p:sldId id="272" r:id="rId19"/>
+    <p:sldId id="273" r:id="rId20"/>
+    <p:sldId id="267" r:id="rId21"/>
+    <p:sldId id="263" r:id="rId22"/>
+    <p:sldId id="274" r:id="rId23"/>
+    <p:sldId id="275" r:id="rId24"/>
+    <p:sldId id="276" r:id="rId25"/>
+    <p:sldId id="277" r:id="rId26"/>
+    <p:sldId id="278" r:id="rId27"/>
+    <p:sldId id="280" r:id="rId28"/>
   </p:sldIdLst>
   <p:sldSz cx="12192000" cy="6858000"/>
   <p:notesSz cx="6858000" cy="9144000"/>
@@ -3201,6 +3202,75 @@
           <a:p>
             <a:r>
               <a:rPr lang="en-US" altLang="zh-CN"/>
+              <a:t>agents\base_agent.py</a:t>
+            </a:r>
+            <a:endParaRPr lang="en-US" altLang="zh-CN"/>
+          </a:p>
+        </p:txBody>
+      </p:sp>
+      <p:pic>
+        <p:nvPicPr>
+          <p:cNvPr id="4" name="内容占位符 3"/>
+          <p:cNvPicPr>
+            <a:picLocks noChangeAspect="1"/>
+          </p:cNvPicPr>
+          <p:nvPr>
+            <p:ph idx="1"/>
+          </p:nvPr>
+        </p:nvPicPr>
+        <p:blipFill>
+          <a:blip r:embed="rId1"/>
+          <a:stretch>
+            <a:fillRect/>
+          </a:stretch>
+        </p:blipFill>
+        <p:spPr>
+          <a:xfrm>
+            <a:off x="2441575" y="1619885"/>
+            <a:ext cx="9450070" cy="5052060"/>
+          </a:xfrm>
+          <a:prstGeom prst="rect">
+            <a:avLst/>
+          </a:prstGeom>
+        </p:spPr>
+      </p:pic>
+    </p:spTree>
+    <p:custDataLst>
+      <p:tags r:id="rId2"/>
+    </p:custDataLst>
+  </p:cSld>
+  <p:clrMapOvr>
+    <a:masterClrMapping/>
+  </p:clrMapOvr>
+</p:sld>
+</file>
+
+<file path=ppt/slides/slide11.xml><?xml version="1.0" encoding="utf-8"?>
+<p:sld xmlns:a="http://schemas.openxmlformats.org/drawingml/2006/main" xmlns:r="http://schemas.openxmlformats.org/officeDocument/2006/relationships" xmlns:p="http://schemas.openxmlformats.org/presentationml/2006/main">
+  <p:cSld>
+    <p:spTree>
+      <p:nvGrpSpPr>
+        <p:cNvPr id="1" name=""/>
+        <p:cNvGrpSpPr/>
+        <p:nvPr/>
+      </p:nvGrpSpPr>
+      <p:grpSpPr/>
+      <p:sp>
+        <p:nvSpPr>
+          <p:cNvPr id="2" name="标题 1"/>
+          <p:cNvSpPr>
+            <a:spLocks noGrp="1"/>
+          </p:cNvSpPr>
+          <p:nvPr>
+            <p:ph type="title"/>
+          </p:nvPr>
+        </p:nvSpPr>
+        <p:spPr/>
+        <p:txBody>
+          <a:bodyPr/>
+          <a:p>
+            <a:r>
+              <a:rPr lang="en-US" altLang="zh-CN"/>
               <a:t>agents\hyp.py</a:t>
             </a:r>
             <a:endParaRPr lang="en-US" altLang="zh-CN"/>
@@ -3244,7 +3314,7 @@
 </p:sld>
 </file>
 
-<file path=ppt/slides/slide11.xml><?xml version="1.0" encoding="utf-8"?>
+<file path=ppt/slides/slide12.xml><?xml version="1.0" encoding="utf-8"?>
 <p:sld xmlns:a="http://schemas.openxmlformats.org/drawingml/2006/main" xmlns:r="http://schemas.openxmlformats.org/officeDocument/2006/relationships" xmlns:p="http://schemas.openxmlformats.org/presentationml/2006/main">
   <p:cSld>
     <p:spTree>
@@ -3313,7 +3383,7 @@
 </p:sld>
 </file>
 
-<file path=ppt/slides/slide12.xml><?xml version="1.0" encoding="utf-8"?>
+<file path=ppt/slides/slide13.xml><?xml version="1.0" encoding="utf-8"?>
 <p:sld xmlns:a="http://schemas.openxmlformats.org/drawingml/2006/main" xmlns:r="http://schemas.openxmlformats.org/officeDocument/2006/relationships" xmlns:p="http://schemas.openxmlformats.org/presentationml/2006/main">
   <p:cSld>
     <p:spTree>
@@ -3382,7 +3452,7 @@
 </p:sld>
 </file>
 
-<file path=ppt/slides/slide13.xml><?xml version="1.0" encoding="utf-8"?>
+<file path=ppt/slides/slide14.xml><?xml version="1.0" encoding="utf-8"?>
 <p:sld xmlns:a="http://schemas.openxmlformats.org/drawingml/2006/main" xmlns:r="http://schemas.openxmlformats.org/officeDocument/2006/relationships" xmlns:p="http://schemas.openxmlformats.org/presentationml/2006/main">
   <p:cSld>
     <p:spTree>
@@ -3451,7 +3521,7 @@
 </p:sld>
 </file>
 
-<file path=ppt/slides/slide14.xml><?xml version="1.0" encoding="utf-8"?>
+<file path=ppt/slides/slide15.xml><?xml version="1.0" encoding="utf-8"?>
 <p:sld xmlns:a="http://schemas.openxmlformats.org/drawingml/2006/main" xmlns:r="http://schemas.openxmlformats.org/officeDocument/2006/relationships" xmlns:p="http://schemas.openxmlformats.org/presentationml/2006/main">
   <p:cSld>
     <p:spTree>
@@ -3520,7 +3590,7 @@
 </p:sld>
 </file>
 
-<file path=ppt/slides/slide15.xml><?xml version="1.0" encoding="utf-8"?>
+<file path=ppt/slides/slide16.xml><?xml version="1.0" encoding="utf-8"?>
 <p:sld xmlns:a="http://schemas.openxmlformats.org/drawingml/2006/main" xmlns:r="http://schemas.openxmlformats.org/officeDocument/2006/relationships" xmlns:p="http://schemas.openxmlformats.org/presentationml/2006/main">
   <p:cSld>
     <p:spTree>
@@ -3589,7 +3659,7 @@
 </p:sld>
 </file>
 
-<file path=ppt/slides/slide16.xml><?xml version="1.0" encoding="utf-8"?>
+<file path=ppt/slides/slide17.xml><?xml version="1.0" encoding="utf-8"?>
 <p:sld xmlns:a="http://schemas.openxmlformats.org/drawingml/2006/main" xmlns:r="http://schemas.openxmlformats.org/officeDocument/2006/relationships" xmlns:p="http://schemas.openxmlformats.org/presentationml/2006/main">
   <p:cSld>
     <p:spTree>
@@ -3658,7 +3728,7 @@
 </p:sld>
 </file>
 
-<file path=ppt/slides/slide17.xml><?xml version="1.0" encoding="utf-8"?>
+<file path=ppt/slides/slide18.xml><?xml version="1.0" encoding="utf-8"?>
 <p:sld xmlns:a="http://schemas.openxmlformats.org/drawingml/2006/main" xmlns:r="http://schemas.openxmlformats.org/officeDocument/2006/relationships" xmlns:p="http://schemas.openxmlformats.org/presentationml/2006/main">
   <p:cSld>
     <p:spTree>
@@ -3727,7 +3797,7 @@
 </p:sld>
 </file>
 
-<file path=ppt/slides/slide18.xml><?xml version="1.0" encoding="utf-8"?>
+<file path=ppt/slides/slide19.xml><?xml version="1.0" encoding="utf-8"?>
 <p:sld xmlns:a="http://schemas.openxmlformats.org/drawingml/2006/main" xmlns:r="http://schemas.openxmlformats.org/officeDocument/2006/relationships" xmlns:p="http://schemas.openxmlformats.org/presentationml/2006/main">
   <p:cSld>
     <p:spTree>
@@ -3796,7 +3866,118 @@
 </p:sld>
 </file>
 
-<file path=ppt/slides/slide19.xml><?xml version="1.0" encoding="utf-8"?>
+<file path=ppt/slides/slide2.xml><?xml version="1.0" encoding="utf-8"?>
+<p:sld xmlns:a="http://schemas.openxmlformats.org/drawingml/2006/main" xmlns:r="http://schemas.openxmlformats.org/officeDocument/2006/relationships" xmlns:p="http://schemas.openxmlformats.org/presentationml/2006/main">
+  <p:cSld>
+    <p:spTree>
+      <p:nvGrpSpPr>
+        <p:cNvPr id="1" name=""/>
+        <p:cNvGrpSpPr/>
+        <p:nvPr/>
+      </p:nvGrpSpPr>
+      <p:grpSpPr/>
+      <p:sp>
+        <p:nvSpPr>
+          <p:cNvPr id="2" name="标题 1"/>
+          <p:cNvSpPr>
+            <a:spLocks noGrp="1"/>
+          </p:cNvSpPr>
+          <p:nvPr>
+            <p:ph type="title"/>
+          </p:nvPr>
+        </p:nvSpPr>
+        <p:spPr/>
+        <p:txBody>
+          <a:bodyPr/>
+          <a:p>
+            <a:r>
+              <a:rPr lang="zh-CN" altLang="en-US"/>
+              <a:t>开始</a:t>
+            </a:r>
+            <a:r>
+              <a:rPr lang="zh-CN" altLang="en-US"/>
+              <a:t>流程</a:t>
+            </a:r>
+            <a:endParaRPr lang="zh-CN" altLang="en-US"/>
+          </a:p>
+        </p:txBody>
+      </p:sp>
+      <p:sp>
+        <p:nvSpPr>
+          <p:cNvPr id="3" name="内容占位符 2"/>
+          <p:cNvSpPr>
+            <a:spLocks noGrp="1"/>
+          </p:cNvSpPr>
+          <p:nvPr>
+            <p:ph idx="1"/>
+          </p:nvPr>
+        </p:nvSpPr>
+        <p:spPr/>
+        <p:txBody>
+          <a:bodyPr/>
+          <a:p>
+            <a:endParaRPr lang="en-US" altLang="zh-CN"/>
+          </a:p>
+          <a:p>
+            <a:r>
+              <a:rPr lang="en-US" altLang="zh-CN"/>
+              <a:t>sudo docker run -d --name cardiomind-container-renhongyu -p 12345:8080 -e HF_ENDPOINT=https://hf-mirror.com  cardiomind-api:latest</a:t>
+            </a:r>
+            <a:endParaRPr lang="en-US" altLang="zh-CN"/>
+          </a:p>
+          <a:p>
+            <a:r>
+              <a:rPr lang="en-US" altLang="zh-CN">
+                <a:sym typeface="+mn-ea"/>
+              </a:rPr>
+              <a:t>curl -X POST "http://localhost:12345/cardiomind" -H "Content-Type: application/json" --data-binary "@case1.json"</a:t>
+            </a:r>
+            <a:endParaRPr lang="en-US" altLang="zh-CN"/>
+          </a:p>
+          <a:p>
+            <a:r>
+              <a:rPr lang="en-US" altLang="zh-CN"/>
+              <a:t>sudo docker stop cardiomind-container-renhongyu</a:t>
+            </a:r>
+            <a:r>
+              <a:rPr lang="zh-CN" altLang="en-US"/>
+              <a:t>（停止</a:t>
+            </a:r>
+            <a:r>
+              <a:rPr lang="zh-CN" altLang="en-US"/>
+              <a:t>容器）</a:t>
+            </a:r>
+            <a:endParaRPr lang="zh-CN" altLang="en-US"/>
+          </a:p>
+          <a:p>
+            <a:r>
+              <a:rPr lang="en-US" altLang="zh-CN"/>
+              <a:t>sudo docker rm -f cardiomind-container-renhongyu</a:t>
+            </a:r>
+            <a:r>
+              <a:rPr lang="zh-CN" altLang="en-US"/>
+              <a:t>（移除</a:t>
+            </a:r>
+            <a:r>
+              <a:rPr lang="zh-CN" altLang="en-US"/>
+              <a:t>容器）</a:t>
+            </a:r>
+            <a:endParaRPr lang="zh-CN" altLang="en-US"/>
+          </a:p>
+        </p:txBody>
+      </p:sp>
+    </p:spTree>
+    <p:custDataLst>
+      <p:tags r:id="rId1"/>
+    </p:custDataLst>
+  </p:cSld>
+  <p:clrMapOvr>
+    <a:masterClrMapping/>
+  </p:clrMapOvr>
+</p:sld>
+</file>
+
+<file path=ppt/slides/slide20.xml><?xml version="1.0" encoding="utf-8"?>
 <p:sld xmlns:a="http://schemas.openxmlformats.org/drawingml/2006/main" xmlns:r="http://schemas.openxmlformats.org/officeDocument/2006/relationships" xmlns:p="http://schemas.openxmlformats.org/presentationml/2006/main">
   <p:cSld>
     <p:spTree>
@@ -3873,7 +4054,446 @@
 </p:sld>
 </file>
 
-<file path=ppt/slides/slide2.xml><?xml version="1.0" encoding="utf-8"?>
+<file path=ppt/slides/slide21.xml><?xml version="1.0" encoding="utf-8"?>
+<p:sld xmlns:a="http://schemas.openxmlformats.org/drawingml/2006/main" xmlns:r="http://schemas.openxmlformats.org/officeDocument/2006/relationships" xmlns:p="http://schemas.openxmlformats.org/presentationml/2006/main">
+  <p:cSld>
+    <p:spTree>
+      <p:nvGrpSpPr>
+        <p:cNvPr id="1" name=""/>
+        <p:cNvGrpSpPr/>
+        <p:nvPr/>
+      </p:nvGrpSpPr>
+      <p:grpSpPr/>
+      <p:sp>
+        <p:nvSpPr>
+          <p:cNvPr id="2" name="标题 1"/>
+          <p:cNvSpPr>
+            <a:spLocks noGrp="1"/>
+          </p:cNvSpPr>
+          <p:nvPr>
+            <p:ph type="title"/>
+          </p:nvPr>
+        </p:nvSpPr>
+        <p:spPr/>
+        <p:txBody>
+          <a:bodyPr/>
+          <a:p>
+            <a:r>
+              <a:rPr lang="en-US" altLang="zh-CN"/>
+              <a:t>app.py--</a:t>
+            </a:r>
+            <a:r>
+              <a:rPr lang="zh-CN" altLang="en-US"/>
+              <a:t>启动</a:t>
+            </a:r>
+            <a:r>
+              <a:rPr lang="zh-CN" altLang="en-US"/>
+              <a:t>程序</a:t>
+            </a:r>
+            <a:endParaRPr lang="zh-CN" altLang="en-US"/>
+          </a:p>
+        </p:txBody>
+      </p:sp>
+      <p:pic>
+        <p:nvPicPr>
+          <p:cNvPr id="5" name="内容占位符 4"/>
+          <p:cNvPicPr>
+            <a:picLocks noChangeAspect="1"/>
+          </p:cNvPicPr>
+          <p:nvPr>
+            <p:ph idx="1"/>
+          </p:nvPr>
+        </p:nvPicPr>
+        <p:blipFill>
+          <a:blip r:embed="rId1"/>
+          <a:stretch>
+            <a:fillRect/>
+          </a:stretch>
+        </p:blipFill>
+        <p:spPr>
+          <a:xfrm>
+            <a:off x="3056255" y="1490345"/>
+            <a:ext cx="6071870" cy="4759325"/>
+          </a:xfrm>
+          <a:prstGeom prst="rect">
+            <a:avLst/>
+          </a:prstGeom>
+        </p:spPr>
+      </p:pic>
+    </p:spTree>
+    <p:custDataLst>
+      <p:tags r:id="rId2"/>
+    </p:custDataLst>
+  </p:cSld>
+  <p:clrMapOvr>
+    <a:masterClrMapping/>
+  </p:clrMapOvr>
+</p:sld>
+</file>
+
+<file path=ppt/slides/slide22.xml><?xml version="1.0" encoding="utf-8"?>
+<p:sld xmlns:a="http://schemas.openxmlformats.org/drawingml/2006/main" xmlns:r="http://schemas.openxmlformats.org/officeDocument/2006/relationships" xmlns:p="http://schemas.openxmlformats.org/presentationml/2006/main">
+  <p:cSld>
+    <p:spTree>
+      <p:nvGrpSpPr>
+        <p:cNvPr id="1" name=""/>
+        <p:cNvGrpSpPr/>
+        <p:nvPr/>
+      </p:nvGrpSpPr>
+      <p:grpSpPr/>
+      <p:sp>
+        <p:nvSpPr>
+          <p:cNvPr id="2" name="标题 1"/>
+          <p:cNvSpPr>
+            <a:spLocks noGrp="1"/>
+          </p:cNvSpPr>
+          <p:nvPr>
+            <p:ph type="title"/>
+          </p:nvPr>
+        </p:nvSpPr>
+        <p:spPr/>
+        <p:txBody>
+          <a:bodyPr/>
+          <a:p>
+            <a:r>
+              <a:rPr lang="en-US" altLang="zh-CN"/>
+              <a:t>app.py--</a:t>
+            </a:r>
+            <a:r>
+              <a:rPr lang="zh-CN" altLang="en-US"/>
+              <a:t>启动</a:t>
+            </a:r>
+            <a:r>
+              <a:rPr lang="zh-CN" altLang="en-US"/>
+              <a:t>程序</a:t>
+            </a:r>
+            <a:endParaRPr lang="zh-CN" altLang="en-US"/>
+          </a:p>
+        </p:txBody>
+      </p:sp>
+      <p:pic>
+        <p:nvPicPr>
+          <p:cNvPr id="5" name="内容占位符 4"/>
+          <p:cNvPicPr>
+            <a:picLocks noChangeAspect="1"/>
+          </p:cNvPicPr>
+          <p:nvPr>
+            <p:ph idx="1"/>
+          </p:nvPr>
+        </p:nvPicPr>
+        <p:blipFill>
+          <a:blip r:embed="rId1"/>
+          <a:stretch>
+            <a:fillRect/>
+          </a:stretch>
+        </p:blipFill>
+        <p:spPr>
+          <a:xfrm>
+            <a:off x="608330" y="1614170"/>
+            <a:ext cx="10968990" cy="4511040"/>
+          </a:xfrm>
+          <a:prstGeom prst="rect">
+            <a:avLst/>
+          </a:prstGeom>
+        </p:spPr>
+      </p:pic>
+    </p:spTree>
+    <p:custDataLst>
+      <p:tags r:id="rId2"/>
+    </p:custDataLst>
+  </p:cSld>
+  <p:clrMapOvr>
+    <a:masterClrMapping/>
+  </p:clrMapOvr>
+</p:sld>
+</file>
+
+<file path=ppt/slides/slide23.xml><?xml version="1.0" encoding="utf-8"?>
+<p:sld xmlns:a="http://schemas.openxmlformats.org/drawingml/2006/main" xmlns:r="http://schemas.openxmlformats.org/officeDocument/2006/relationships" xmlns:p="http://schemas.openxmlformats.org/presentationml/2006/main">
+  <p:cSld>
+    <p:spTree>
+      <p:nvGrpSpPr>
+        <p:cNvPr id="1" name=""/>
+        <p:cNvGrpSpPr/>
+        <p:nvPr/>
+      </p:nvGrpSpPr>
+      <p:grpSpPr/>
+      <p:sp>
+        <p:nvSpPr>
+          <p:cNvPr id="2" name="标题 1"/>
+          <p:cNvSpPr>
+            <a:spLocks noGrp="1"/>
+          </p:cNvSpPr>
+          <p:nvPr>
+            <p:ph type="title"/>
+          </p:nvPr>
+        </p:nvSpPr>
+        <p:spPr/>
+        <p:txBody>
+          <a:bodyPr/>
+          <a:p>
+            <a:r>
+              <a:rPr lang="en-US" altLang="zh-CN"/>
+              <a:t>app.py--</a:t>
+            </a:r>
+            <a:r>
+              <a:rPr lang="zh-CN" altLang="en-US"/>
+              <a:t>启动</a:t>
+            </a:r>
+            <a:r>
+              <a:rPr lang="zh-CN" altLang="en-US"/>
+              <a:t>程序</a:t>
+            </a:r>
+            <a:endParaRPr lang="zh-CN" altLang="en-US"/>
+          </a:p>
+        </p:txBody>
+      </p:sp>
+      <p:pic>
+        <p:nvPicPr>
+          <p:cNvPr id="5" name="内容占位符 4"/>
+          <p:cNvPicPr>
+            <a:picLocks noChangeAspect="1"/>
+          </p:cNvPicPr>
+          <p:nvPr>
+            <p:ph idx="1"/>
+          </p:nvPr>
+        </p:nvPicPr>
+        <p:blipFill>
+          <a:blip r:embed="rId1"/>
+          <a:stretch>
+            <a:fillRect/>
+          </a:stretch>
+        </p:blipFill>
+        <p:spPr>
+          <a:xfrm>
+            <a:off x="1793240" y="1490345"/>
+            <a:ext cx="8598535" cy="4759325"/>
+          </a:xfrm>
+          <a:prstGeom prst="rect">
+            <a:avLst/>
+          </a:prstGeom>
+        </p:spPr>
+      </p:pic>
+    </p:spTree>
+    <p:custDataLst>
+      <p:tags r:id="rId2"/>
+    </p:custDataLst>
+  </p:cSld>
+  <p:clrMapOvr>
+    <a:masterClrMapping/>
+  </p:clrMapOvr>
+</p:sld>
+</file>
+
+<file path=ppt/slides/slide24.xml><?xml version="1.0" encoding="utf-8"?>
+<p:sld xmlns:a="http://schemas.openxmlformats.org/drawingml/2006/main" xmlns:r="http://schemas.openxmlformats.org/officeDocument/2006/relationships" xmlns:p="http://schemas.openxmlformats.org/presentationml/2006/main">
+  <p:cSld>
+    <p:spTree>
+      <p:nvGrpSpPr>
+        <p:cNvPr id="1" name=""/>
+        <p:cNvGrpSpPr/>
+        <p:nvPr/>
+      </p:nvGrpSpPr>
+      <p:grpSpPr/>
+      <p:sp>
+        <p:nvSpPr>
+          <p:cNvPr id="2" name="标题 1"/>
+          <p:cNvSpPr>
+            <a:spLocks noGrp="1"/>
+          </p:cNvSpPr>
+          <p:nvPr>
+            <p:ph type="title"/>
+          </p:nvPr>
+        </p:nvSpPr>
+        <p:spPr/>
+        <p:txBody>
+          <a:bodyPr/>
+          <a:p>
+            <a:r>
+              <a:rPr lang="en-US" altLang="zh-CN"/>
+              <a:t>app.py--</a:t>
+            </a:r>
+            <a:r>
+              <a:rPr lang="zh-CN" altLang="en-US"/>
+              <a:t>启动</a:t>
+            </a:r>
+            <a:r>
+              <a:rPr lang="zh-CN" altLang="en-US"/>
+              <a:t>程序</a:t>
+            </a:r>
+            <a:endParaRPr lang="zh-CN" altLang="en-US"/>
+          </a:p>
+        </p:txBody>
+      </p:sp>
+      <p:pic>
+        <p:nvPicPr>
+          <p:cNvPr id="4" name="内容占位符 3"/>
+          <p:cNvPicPr>
+            <a:picLocks noChangeAspect="1"/>
+          </p:cNvPicPr>
+          <p:nvPr>
+            <p:ph idx="1"/>
+          </p:nvPr>
+        </p:nvPicPr>
+        <p:blipFill>
+          <a:blip r:embed="rId1"/>
+          <a:stretch>
+            <a:fillRect/>
+          </a:stretch>
+        </p:blipFill>
+        <p:spPr>
+          <a:xfrm>
+            <a:off x="1967865" y="1490345"/>
+            <a:ext cx="8248650" cy="4759325"/>
+          </a:xfrm>
+          <a:prstGeom prst="rect">
+            <a:avLst/>
+          </a:prstGeom>
+        </p:spPr>
+      </p:pic>
+    </p:spTree>
+    <p:custDataLst>
+      <p:tags r:id="rId2"/>
+    </p:custDataLst>
+  </p:cSld>
+  <p:clrMapOvr>
+    <a:masterClrMapping/>
+  </p:clrMapOvr>
+</p:sld>
+</file>
+
+<file path=ppt/slides/slide25.xml><?xml version="1.0" encoding="utf-8"?>
+<p:sld xmlns:a="http://schemas.openxmlformats.org/drawingml/2006/main" xmlns:r="http://schemas.openxmlformats.org/officeDocument/2006/relationships" xmlns:p="http://schemas.openxmlformats.org/presentationml/2006/main">
+  <p:cSld>
+    <p:spTree>
+      <p:nvGrpSpPr>
+        <p:cNvPr id="1" name=""/>
+        <p:cNvGrpSpPr/>
+        <p:nvPr/>
+      </p:nvGrpSpPr>
+      <p:grpSpPr/>
+      <p:sp>
+        <p:nvSpPr>
+          <p:cNvPr id="2" name="标题 1"/>
+          <p:cNvSpPr>
+            <a:spLocks noGrp="1"/>
+          </p:cNvSpPr>
+          <p:nvPr>
+            <p:ph type="title"/>
+          </p:nvPr>
+        </p:nvSpPr>
+        <p:spPr/>
+        <p:txBody>
+          <a:bodyPr/>
+          <a:p>
+            <a:r>
+              <a:rPr lang="en-US" altLang="zh-CN"/>
+              <a:t>app.py--</a:t>
+            </a:r>
+            <a:r>
+              <a:rPr lang="zh-CN" altLang="en-US"/>
+              <a:t>启动</a:t>
+            </a:r>
+            <a:r>
+              <a:rPr lang="zh-CN" altLang="en-US"/>
+              <a:t>程序</a:t>
+            </a:r>
+            <a:endParaRPr lang="zh-CN" altLang="en-US"/>
+          </a:p>
+        </p:txBody>
+      </p:sp>
+      <p:pic>
+        <p:nvPicPr>
+          <p:cNvPr id="4" name="内容占位符 3"/>
+          <p:cNvPicPr>
+            <a:picLocks noChangeAspect="1"/>
+          </p:cNvPicPr>
+          <p:nvPr>
+            <p:ph idx="1"/>
+          </p:nvPr>
+        </p:nvPicPr>
+        <p:blipFill>
+          <a:blip r:embed="rId1"/>
+          <a:stretch>
+            <a:fillRect/>
+          </a:stretch>
+        </p:blipFill>
+        <p:spPr>
+          <a:xfrm>
+            <a:off x="608330" y="1617980"/>
+            <a:ext cx="10968990" cy="4503420"/>
+          </a:xfrm>
+          <a:prstGeom prst="rect">
+            <a:avLst/>
+          </a:prstGeom>
+        </p:spPr>
+      </p:pic>
+    </p:spTree>
+    <p:custDataLst>
+      <p:tags r:id="rId2"/>
+    </p:custDataLst>
+  </p:cSld>
+  <p:clrMapOvr>
+    <a:masterClrMapping/>
+  </p:clrMapOvr>
+</p:sld>
+</file>
+
+<file path=ppt/slides/slide26.xml><?xml version="1.0" encoding="utf-8"?>
+<p:sld xmlns:a="http://schemas.openxmlformats.org/drawingml/2006/main" xmlns:r="http://schemas.openxmlformats.org/officeDocument/2006/relationships" xmlns:p="http://schemas.openxmlformats.org/presentationml/2006/main">
+  <p:cSld>
+    <p:spTree>
+      <p:nvGrpSpPr>
+        <p:cNvPr id="1" name=""/>
+        <p:cNvGrpSpPr/>
+        <p:nvPr/>
+      </p:nvGrpSpPr>
+      <p:grpSpPr/>
+      <p:sp>
+        <p:nvSpPr>
+          <p:cNvPr id="4" name="文本框 3"/>
+          <p:cNvSpPr txBox="1"/>
+          <p:nvPr/>
+        </p:nvSpPr>
+        <p:spPr>
+          <a:xfrm>
+            <a:off x="3300730" y="2644775"/>
+            <a:ext cx="5589905" cy="1568450"/>
+          </a:xfrm>
+          <a:prstGeom prst="rect">
+            <a:avLst/>
+          </a:prstGeom>
+          <a:noFill/>
+        </p:spPr>
+        <p:txBody>
+          <a:bodyPr wrap="square" rtlCol="0">
+            <a:spAutoFit/>
+          </a:bodyPr>
+          <a:p>
+            <a:r>
+              <a:rPr lang="zh-CN" altLang="en-US" sz="9600"/>
+              <a:t>谢谢</a:t>
+            </a:r>
+            <a:r>
+              <a:rPr lang="zh-CN" altLang="en-US" sz="9600"/>
+              <a:t>大家</a:t>
+            </a:r>
+            <a:endParaRPr lang="zh-CN" altLang="en-US" sz="9600"/>
+          </a:p>
+        </p:txBody>
+      </p:sp>
+    </p:spTree>
+    <p:custDataLst>
+      <p:tags r:id="rId1"/>
+    </p:custDataLst>
+  </p:cSld>
+  <p:clrMapOvr>
+    <a:masterClrMapping/>
+  </p:clrMapOvr>
+</p:sld>
+</file>
+
+<file path=ppt/slides/slide3.xml><?xml version="1.0" encoding="utf-8"?>
 <p:sld xmlns:a="http://schemas.openxmlformats.org/drawingml/2006/main" xmlns:r="http://schemas.openxmlformats.org/officeDocument/2006/relationships" xmlns:p="http://schemas.openxmlformats.org/presentationml/2006/main">
   <p:cSld>
     <p:spTree>
@@ -3946,446 +4566,7 @@
 </p:sld>
 </file>
 
-<file path=ppt/slides/slide20.xml><?xml version="1.0" encoding="utf-8"?>
-<p:sld xmlns:a="http://schemas.openxmlformats.org/drawingml/2006/main" xmlns:r="http://schemas.openxmlformats.org/officeDocument/2006/relationships" xmlns:p="http://schemas.openxmlformats.org/presentationml/2006/main">
-  <p:cSld>
-    <p:spTree>
-      <p:nvGrpSpPr>
-        <p:cNvPr id="1" name=""/>
-        <p:cNvGrpSpPr/>
-        <p:nvPr/>
-      </p:nvGrpSpPr>
-      <p:grpSpPr/>
-      <p:sp>
-        <p:nvSpPr>
-          <p:cNvPr id="2" name="标题 1"/>
-          <p:cNvSpPr>
-            <a:spLocks noGrp="1"/>
-          </p:cNvSpPr>
-          <p:nvPr>
-            <p:ph type="title"/>
-          </p:nvPr>
-        </p:nvSpPr>
-        <p:spPr/>
-        <p:txBody>
-          <a:bodyPr/>
-          <a:p>
-            <a:r>
-              <a:rPr lang="en-US" altLang="zh-CN"/>
-              <a:t>app.py--</a:t>
-            </a:r>
-            <a:r>
-              <a:rPr lang="zh-CN" altLang="en-US"/>
-              <a:t>启动</a:t>
-            </a:r>
-            <a:r>
-              <a:rPr lang="zh-CN" altLang="en-US"/>
-              <a:t>程序</a:t>
-            </a:r>
-            <a:endParaRPr lang="zh-CN" altLang="en-US"/>
-          </a:p>
-        </p:txBody>
-      </p:sp>
-      <p:pic>
-        <p:nvPicPr>
-          <p:cNvPr id="5" name="内容占位符 4"/>
-          <p:cNvPicPr>
-            <a:picLocks noChangeAspect="1"/>
-          </p:cNvPicPr>
-          <p:nvPr>
-            <p:ph idx="1"/>
-          </p:nvPr>
-        </p:nvPicPr>
-        <p:blipFill>
-          <a:blip r:embed="rId1"/>
-          <a:stretch>
-            <a:fillRect/>
-          </a:stretch>
-        </p:blipFill>
-        <p:spPr>
-          <a:xfrm>
-            <a:off x="3056255" y="1490345"/>
-            <a:ext cx="6071870" cy="4759325"/>
-          </a:xfrm>
-          <a:prstGeom prst="rect">
-            <a:avLst/>
-          </a:prstGeom>
-        </p:spPr>
-      </p:pic>
-    </p:spTree>
-    <p:custDataLst>
-      <p:tags r:id="rId2"/>
-    </p:custDataLst>
-  </p:cSld>
-  <p:clrMapOvr>
-    <a:masterClrMapping/>
-  </p:clrMapOvr>
-</p:sld>
-</file>
-
-<file path=ppt/slides/slide21.xml><?xml version="1.0" encoding="utf-8"?>
-<p:sld xmlns:a="http://schemas.openxmlformats.org/drawingml/2006/main" xmlns:r="http://schemas.openxmlformats.org/officeDocument/2006/relationships" xmlns:p="http://schemas.openxmlformats.org/presentationml/2006/main">
-  <p:cSld>
-    <p:spTree>
-      <p:nvGrpSpPr>
-        <p:cNvPr id="1" name=""/>
-        <p:cNvGrpSpPr/>
-        <p:nvPr/>
-      </p:nvGrpSpPr>
-      <p:grpSpPr/>
-      <p:sp>
-        <p:nvSpPr>
-          <p:cNvPr id="2" name="标题 1"/>
-          <p:cNvSpPr>
-            <a:spLocks noGrp="1"/>
-          </p:cNvSpPr>
-          <p:nvPr>
-            <p:ph type="title"/>
-          </p:nvPr>
-        </p:nvSpPr>
-        <p:spPr/>
-        <p:txBody>
-          <a:bodyPr/>
-          <a:p>
-            <a:r>
-              <a:rPr lang="en-US" altLang="zh-CN"/>
-              <a:t>app.py--</a:t>
-            </a:r>
-            <a:r>
-              <a:rPr lang="zh-CN" altLang="en-US"/>
-              <a:t>启动</a:t>
-            </a:r>
-            <a:r>
-              <a:rPr lang="zh-CN" altLang="en-US"/>
-              <a:t>程序</a:t>
-            </a:r>
-            <a:endParaRPr lang="zh-CN" altLang="en-US"/>
-          </a:p>
-        </p:txBody>
-      </p:sp>
-      <p:pic>
-        <p:nvPicPr>
-          <p:cNvPr id="5" name="内容占位符 4"/>
-          <p:cNvPicPr>
-            <a:picLocks noChangeAspect="1"/>
-          </p:cNvPicPr>
-          <p:nvPr>
-            <p:ph idx="1"/>
-          </p:nvPr>
-        </p:nvPicPr>
-        <p:blipFill>
-          <a:blip r:embed="rId1"/>
-          <a:stretch>
-            <a:fillRect/>
-          </a:stretch>
-        </p:blipFill>
-        <p:spPr>
-          <a:xfrm>
-            <a:off x="608330" y="1614170"/>
-            <a:ext cx="10968990" cy="4511040"/>
-          </a:xfrm>
-          <a:prstGeom prst="rect">
-            <a:avLst/>
-          </a:prstGeom>
-        </p:spPr>
-      </p:pic>
-    </p:spTree>
-    <p:custDataLst>
-      <p:tags r:id="rId2"/>
-    </p:custDataLst>
-  </p:cSld>
-  <p:clrMapOvr>
-    <a:masterClrMapping/>
-  </p:clrMapOvr>
-</p:sld>
-</file>
-
-<file path=ppt/slides/slide22.xml><?xml version="1.0" encoding="utf-8"?>
-<p:sld xmlns:a="http://schemas.openxmlformats.org/drawingml/2006/main" xmlns:r="http://schemas.openxmlformats.org/officeDocument/2006/relationships" xmlns:p="http://schemas.openxmlformats.org/presentationml/2006/main">
-  <p:cSld>
-    <p:spTree>
-      <p:nvGrpSpPr>
-        <p:cNvPr id="1" name=""/>
-        <p:cNvGrpSpPr/>
-        <p:nvPr/>
-      </p:nvGrpSpPr>
-      <p:grpSpPr/>
-      <p:sp>
-        <p:nvSpPr>
-          <p:cNvPr id="2" name="标题 1"/>
-          <p:cNvSpPr>
-            <a:spLocks noGrp="1"/>
-          </p:cNvSpPr>
-          <p:nvPr>
-            <p:ph type="title"/>
-          </p:nvPr>
-        </p:nvSpPr>
-        <p:spPr/>
-        <p:txBody>
-          <a:bodyPr/>
-          <a:p>
-            <a:r>
-              <a:rPr lang="en-US" altLang="zh-CN"/>
-              <a:t>app.py--</a:t>
-            </a:r>
-            <a:r>
-              <a:rPr lang="zh-CN" altLang="en-US"/>
-              <a:t>启动</a:t>
-            </a:r>
-            <a:r>
-              <a:rPr lang="zh-CN" altLang="en-US"/>
-              <a:t>程序</a:t>
-            </a:r>
-            <a:endParaRPr lang="zh-CN" altLang="en-US"/>
-          </a:p>
-        </p:txBody>
-      </p:sp>
-      <p:pic>
-        <p:nvPicPr>
-          <p:cNvPr id="5" name="内容占位符 4"/>
-          <p:cNvPicPr>
-            <a:picLocks noChangeAspect="1"/>
-          </p:cNvPicPr>
-          <p:nvPr>
-            <p:ph idx="1"/>
-          </p:nvPr>
-        </p:nvPicPr>
-        <p:blipFill>
-          <a:blip r:embed="rId1"/>
-          <a:stretch>
-            <a:fillRect/>
-          </a:stretch>
-        </p:blipFill>
-        <p:spPr>
-          <a:xfrm>
-            <a:off x="1793240" y="1490345"/>
-            <a:ext cx="8598535" cy="4759325"/>
-          </a:xfrm>
-          <a:prstGeom prst="rect">
-            <a:avLst/>
-          </a:prstGeom>
-        </p:spPr>
-      </p:pic>
-    </p:spTree>
-    <p:custDataLst>
-      <p:tags r:id="rId2"/>
-    </p:custDataLst>
-  </p:cSld>
-  <p:clrMapOvr>
-    <a:masterClrMapping/>
-  </p:clrMapOvr>
-</p:sld>
-</file>
-
-<file path=ppt/slides/slide23.xml><?xml version="1.0" encoding="utf-8"?>
-<p:sld xmlns:a="http://schemas.openxmlformats.org/drawingml/2006/main" xmlns:r="http://schemas.openxmlformats.org/officeDocument/2006/relationships" xmlns:p="http://schemas.openxmlformats.org/presentationml/2006/main">
-  <p:cSld>
-    <p:spTree>
-      <p:nvGrpSpPr>
-        <p:cNvPr id="1" name=""/>
-        <p:cNvGrpSpPr/>
-        <p:nvPr/>
-      </p:nvGrpSpPr>
-      <p:grpSpPr/>
-      <p:sp>
-        <p:nvSpPr>
-          <p:cNvPr id="2" name="标题 1"/>
-          <p:cNvSpPr>
-            <a:spLocks noGrp="1"/>
-          </p:cNvSpPr>
-          <p:nvPr>
-            <p:ph type="title"/>
-          </p:nvPr>
-        </p:nvSpPr>
-        <p:spPr/>
-        <p:txBody>
-          <a:bodyPr/>
-          <a:p>
-            <a:r>
-              <a:rPr lang="en-US" altLang="zh-CN"/>
-              <a:t>app.py--</a:t>
-            </a:r>
-            <a:r>
-              <a:rPr lang="zh-CN" altLang="en-US"/>
-              <a:t>启动</a:t>
-            </a:r>
-            <a:r>
-              <a:rPr lang="zh-CN" altLang="en-US"/>
-              <a:t>程序</a:t>
-            </a:r>
-            <a:endParaRPr lang="zh-CN" altLang="en-US"/>
-          </a:p>
-        </p:txBody>
-      </p:sp>
-      <p:pic>
-        <p:nvPicPr>
-          <p:cNvPr id="4" name="内容占位符 3"/>
-          <p:cNvPicPr>
-            <a:picLocks noChangeAspect="1"/>
-          </p:cNvPicPr>
-          <p:nvPr>
-            <p:ph idx="1"/>
-          </p:nvPr>
-        </p:nvPicPr>
-        <p:blipFill>
-          <a:blip r:embed="rId1"/>
-          <a:stretch>
-            <a:fillRect/>
-          </a:stretch>
-        </p:blipFill>
-        <p:spPr>
-          <a:xfrm>
-            <a:off x="1967865" y="1490345"/>
-            <a:ext cx="8248650" cy="4759325"/>
-          </a:xfrm>
-          <a:prstGeom prst="rect">
-            <a:avLst/>
-          </a:prstGeom>
-        </p:spPr>
-      </p:pic>
-    </p:spTree>
-    <p:custDataLst>
-      <p:tags r:id="rId2"/>
-    </p:custDataLst>
-  </p:cSld>
-  <p:clrMapOvr>
-    <a:masterClrMapping/>
-  </p:clrMapOvr>
-</p:sld>
-</file>
-
-<file path=ppt/slides/slide24.xml><?xml version="1.0" encoding="utf-8"?>
-<p:sld xmlns:a="http://schemas.openxmlformats.org/drawingml/2006/main" xmlns:r="http://schemas.openxmlformats.org/officeDocument/2006/relationships" xmlns:p="http://schemas.openxmlformats.org/presentationml/2006/main">
-  <p:cSld>
-    <p:spTree>
-      <p:nvGrpSpPr>
-        <p:cNvPr id="1" name=""/>
-        <p:cNvGrpSpPr/>
-        <p:nvPr/>
-      </p:nvGrpSpPr>
-      <p:grpSpPr/>
-      <p:sp>
-        <p:nvSpPr>
-          <p:cNvPr id="2" name="标题 1"/>
-          <p:cNvSpPr>
-            <a:spLocks noGrp="1"/>
-          </p:cNvSpPr>
-          <p:nvPr>
-            <p:ph type="title"/>
-          </p:nvPr>
-        </p:nvSpPr>
-        <p:spPr/>
-        <p:txBody>
-          <a:bodyPr/>
-          <a:p>
-            <a:r>
-              <a:rPr lang="en-US" altLang="zh-CN"/>
-              <a:t>app.py--</a:t>
-            </a:r>
-            <a:r>
-              <a:rPr lang="zh-CN" altLang="en-US"/>
-              <a:t>启动</a:t>
-            </a:r>
-            <a:r>
-              <a:rPr lang="zh-CN" altLang="en-US"/>
-              <a:t>程序</a:t>
-            </a:r>
-            <a:endParaRPr lang="zh-CN" altLang="en-US"/>
-          </a:p>
-        </p:txBody>
-      </p:sp>
-      <p:pic>
-        <p:nvPicPr>
-          <p:cNvPr id="4" name="内容占位符 3"/>
-          <p:cNvPicPr>
-            <a:picLocks noChangeAspect="1"/>
-          </p:cNvPicPr>
-          <p:nvPr>
-            <p:ph idx="1"/>
-          </p:nvPr>
-        </p:nvPicPr>
-        <p:blipFill>
-          <a:blip r:embed="rId1"/>
-          <a:stretch>
-            <a:fillRect/>
-          </a:stretch>
-        </p:blipFill>
-        <p:spPr>
-          <a:xfrm>
-            <a:off x="608330" y="1617980"/>
-            <a:ext cx="10968990" cy="4503420"/>
-          </a:xfrm>
-          <a:prstGeom prst="rect">
-            <a:avLst/>
-          </a:prstGeom>
-        </p:spPr>
-      </p:pic>
-    </p:spTree>
-    <p:custDataLst>
-      <p:tags r:id="rId2"/>
-    </p:custDataLst>
-  </p:cSld>
-  <p:clrMapOvr>
-    <a:masterClrMapping/>
-  </p:clrMapOvr>
-</p:sld>
-</file>
-
-<file path=ppt/slides/slide25.xml><?xml version="1.0" encoding="utf-8"?>
-<p:sld xmlns:a="http://schemas.openxmlformats.org/drawingml/2006/main" xmlns:r="http://schemas.openxmlformats.org/officeDocument/2006/relationships" xmlns:p="http://schemas.openxmlformats.org/presentationml/2006/main">
-  <p:cSld>
-    <p:spTree>
-      <p:nvGrpSpPr>
-        <p:cNvPr id="1" name=""/>
-        <p:cNvGrpSpPr/>
-        <p:nvPr/>
-      </p:nvGrpSpPr>
-      <p:grpSpPr/>
-      <p:sp>
-        <p:nvSpPr>
-          <p:cNvPr id="4" name="文本框 3"/>
-          <p:cNvSpPr txBox="1"/>
-          <p:nvPr/>
-        </p:nvSpPr>
-        <p:spPr>
-          <a:xfrm>
-            <a:off x="3300730" y="2644775"/>
-            <a:ext cx="5589905" cy="1568450"/>
-          </a:xfrm>
-          <a:prstGeom prst="rect">
-            <a:avLst/>
-          </a:prstGeom>
-          <a:noFill/>
-        </p:spPr>
-        <p:txBody>
-          <a:bodyPr wrap="square" rtlCol="0">
-            <a:spAutoFit/>
-          </a:bodyPr>
-          <a:p>
-            <a:r>
-              <a:rPr lang="zh-CN" altLang="en-US" sz="9600"/>
-              <a:t>谢谢</a:t>
-            </a:r>
-            <a:r>
-              <a:rPr lang="zh-CN" altLang="en-US" sz="9600"/>
-              <a:t>大家</a:t>
-            </a:r>
-            <a:endParaRPr lang="zh-CN" altLang="en-US" sz="9600"/>
-          </a:p>
-        </p:txBody>
-      </p:sp>
-    </p:spTree>
-    <p:custDataLst>
-      <p:tags r:id="rId1"/>
-    </p:custDataLst>
-  </p:cSld>
-  <p:clrMapOvr>
-    <a:masterClrMapping/>
-  </p:clrMapOvr>
-</p:sld>
-</file>
-
-<file path=ppt/slides/slide3.xml><?xml version="1.0" encoding="utf-8"?>
+<file path=ppt/slides/slide4.xml><?xml version="1.0" encoding="utf-8"?>
 <p:sld xmlns:a="http://schemas.openxmlformats.org/drawingml/2006/main" xmlns:r="http://schemas.openxmlformats.org/officeDocument/2006/relationships" xmlns:p="http://schemas.openxmlformats.org/presentationml/2006/main">
   <p:cSld>
     <p:spTree>
@@ -4450,7 +4631,7 @@
 </p:sld>
 </file>
 
-<file path=ppt/slides/slide4.xml><?xml version="1.0" encoding="utf-8"?>
+<file path=ppt/slides/slide5.xml><?xml version="1.0" encoding="utf-8"?>
 <p:sld xmlns:a="http://schemas.openxmlformats.org/drawingml/2006/main" xmlns:r="http://schemas.openxmlformats.org/officeDocument/2006/relationships" xmlns:p="http://schemas.openxmlformats.org/presentationml/2006/main">
   <p:cSld>
     <p:spTree>
@@ -4515,7 +4696,7 @@
 </p:sld>
 </file>
 
-<file path=ppt/slides/slide5.xml><?xml version="1.0" encoding="utf-8"?>
+<file path=ppt/slides/slide6.xml><?xml version="1.0" encoding="utf-8"?>
 <p:sld xmlns:a="http://schemas.openxmlformats.org/drawingml/2006/main" xmlns:r="http://schemas.openxmlformats.org/officeDocument/2006/relationships" xmlns:p="http://schemas.openxmlformats.org/presentationml/2006/main">
   <p:cSld>
     <p:spTree>
@@ -4584,7 +4765,7 @@
 </p:sld>
 </file>
 
-<file path=ppt/slides/slide6.xml><?xml version="1.0" encoding="utf-8"?>
+<file path=ppt/slides/slide7.xml><?xml version="1.0" encoding="utf-8"?>
 <p:sld xmlns:a="http://schemas.openxmlformats.org/drawingml/2006/main" xmlns:r="http://schemas.openxmlformats.org/officeDocument/2006/relationships" xmlns:p="http://schemas.openxmlformats.org/presentationml/2006/main">
   <p:cSld>
     <p:spTree>
@@ -4653,7 +4834,7 @@
 </p:sld>
 </file>
 
-<file path=ppt/slides/slide7.xml><?xml version="1.0" encoding="utf-8"?>
+<file path=ppt/slides/slide8.xml><?xml version="1.0" encoding="utf-8"?>
 <p:sld xmlns:a="http://schemas.openxmlformats.org/drawingml/2006/main" xmlns:r="http://schemas.openxmlformats.org/officeDocument/2006/relationships" xmlns:p="http://schemas.openxmlformats.org/presentationml/2006/main">
   <p:cSld>
     <p:spTree>
@@ -4724,7 +4905,7 @@
 </p:sld>
 </file>
 
-<file path=ppt/slides/slide8.xml><?xml version="1.0" encoding="utf-8"?>
+<file path=ppt/slides/slide9.xml><?xml version="1.0" encoding="utf-8"?>
 <p:sld xmlns:a="http://schemas.openxmlformats.org/drawingml/2006/main" xmlns:r="http://schemas.openxmlformats.org/officeDocument/2006/relationships" xmlns:p="http://schemas.openxmlformats.org/presentationml/2006/main">
   <p:cSld>
     <p:spTree>
@@ -4793,75 +4974,6 @@
 </p:sld>
 </file>
 
-<file path=ppt/slides/slide9.xml><?xml version="1.0" encoding="utf-8"?>
-<p:sld xmlns:a="http://schemas.openxmlformats.org/drawingml/2006/main" xmlns:r="http://schemas.openxmlformats.org/officeDocument/2006/relationships" xmlns:p="http://schemas.openxmlformats.org/presentationml/2006/main">
-  <p:cSld>
-    <p:spTree>
-      <p:nvGrpSpPr>
-        <p:cNvPr id="1" name=""/>
-        <p:cNvGrpSpPr/>
-        <p:nvPr/>
-      </p:nvGrpSpPr>
-      <p:grpSpPr/>
-      <p:sp>
-        <p:nvSpPr>
-          <p:cNvPr id="2" name="标题 1"/>
-          <p:cNvSpPr>
-            <a:spLocks noGrp="1"/>
-          </p:cNvSpPr>
-          <p:nvPr>
-            <p:ph type="title"/>
-          </p:nvPr>
-        </p:nvSpPr>
-        <p:spPr/>
-        <p:txBody>
-          <a:bodyPr/>
-          <a:p>
-            <a:r>
-              <a:rPr lang="en-US" altLang="zh-CN"/>
-              <a:t>agents\base_agent.py</a:t>
-            </a:r>
-            <a:endParaRPr lang="en-US" altLang="zh-CN"/>
-          </a:p>
-        </p:txBody>
-      </p:sp>
-      <p:pic>
-        <p:nvPicPr>
-          <p:cNvPr id="4" name="内容占位符 3"/>
-          <p:cNvPicPr>
-            <a:picLocks noChangeAspect="1"/>
-          </p:cNvPicPr>
-          <p:nvPr>
-            <p:ph idx="1"/>
-          </p:nvPr>
-        </p:nvPicPr>
-        <p:blipFill>
-          <a:blip r:embed="rId1"/>
-          <a:stretch>
-            <a:fillRect/>
-          </a:stretch>
-        </p:blipFill>
-        <p:spPr>
-          <a:xfrm>
-            <a:off x="2441575" y="1619885"/>
-            <a:ext cx="9450070" cy="5052060"/>
-          </a:xfrm>
-          <a:prstGeom prst="rect">
-            <a:avLst/>
-          </a:prstGeom>
-        </p:spPr>
-      </p:pic>
-    </p:spTree>
-    <p:custDataLst>
-      <p:tags r:id="rId2"/>
-    </p:custDataLst>
-  </p:cSld>
-  <p:clrMapOvr>
-    <a:masterClrMapping/>
-  </p:clrMapOvr>
-</p:sld>
-</file>
-
 <file path=ppt/tags/tag1.xml><?xml version="1.0" encoding="utf-8"?>
 <p:tagLst xmlns:p="http://schemas.openxmlformats.org/presentationml/2006/main">
   <p:tag name="KSO_WM_UNIT_HIGHLIGHT" val="0"/>
@@ -5927,6 +6039,14 @@
   <p:tag name="KSO_WM_UNIT_LAYERLEVEL" val="1"/>
   <p:tag name="KSO_WM_TAG_VERSION" val="1.0"/>
   <p:tag name="KSO_WM_BEAUTIFY_FLAG" val="#wm#"/>
+</p:tagLst>
+</file>
+
+<file path=ppt/tags/tag90.xml><?xml version="1.0" encoding="utf-8"?>
+<p:tagLst xmlns:p="http://schemas.openxmlformats.org/presentationml/2006/main">
+  <p:tag name="KSO_WM_BEAUTIFY_FLAG" val="#wm#"/>
+  <p:tag name="KSO_WM_TEMPLATE_CATEGORY" val="custom"/>
+  <p:tag name="KSO_WM_TEMPLATE_INDEX" val="20205081"/>
 </p:tagLst>
 </file>
 

--- a/作业讲解_任鸿宇.pptx
+++ b/作业讲解_任鸿宇.pptx
@@ -3964,6 +3964,17 @@
             </a:r>
             <a:endParaRPr lang="zh-CN" altLang="en-US"/>
           </a:p>
+          <a:p>
+            <a:r>
+              <a:rPr lang="zh-CN" altLang="en-US"/>
+              <a:t>密码：</a:t>
+            </a:r>
+            <a:r>
+              <a:rPr lang="en-US" altLang="zh-CN"/>
+              <a:t>Sais@2025</a:t>
+            </a:r>
+            <a:endParaRPr lang="en-US" altLang="zh-CN"/>
+          </a:p>
         </p:txBody>
       </p:sp>
     </p:spTree>

--- a/作业讲解_任鸿宇.pptx
+++ b/作业讲解_任鸿宇.pptx
@@ -12,8 +12,8 @@
     <p:sldId id="282" r:id="rId7"/>
     <p:sldId id="258" r:id="rId8"/>
     <p:sldId id="261" r:id="rId9"/>
-    <p:sldId id="259" r:id="rId10"/>
-    <p:sldId id="268" r:id="rId11"/>
+    <p:sldId id="268" r:id="rId10"/>
+    <p:sldId id="259" r:id="rId11"/>
     <p:sldId id="262" r:id="rId12"/>
     <p:sldId id="264" r:id="rId13"/>
     <p:sldId id="269" r:id="rId14"/>
@@ -4870,18 +4870,16 @@
           <a:bodyPr/>
           <a:p>
             <a:r>
-              <a:rPr lang="en-US" altLang="zh-CN">
-                <a:sym typeface="+mn-ea"/>
-              </a:rPr>
-              <a:t>rag\retriever.py</a:t>
-            </a:r>
-            <a:endParaRPr lang="zh-CN" altLang="en-US"/>
+              <a:rPr lang="en-US" altLang="zh-CN"/>
+              <a:t>rag\vector_store.py</a:t>
+            </a:r>
+            <a:endParaRPr lang="en-US" altLang="zh-CN"/>
           </a:p>
         </p:txBody>
       </p:sp>
       <p:pic>
         <p:nvPicPr>
-          <p:cNvPr id="4" name="内容占位符 3"/>
+          <p:cNvPr id="5" name="内容占位符 4"/>
           <p:cNvPicPr>
             <a:picLocks noChangeAspect="1"/>
           </p:cNvPicPr>
@@ -4897,8 +4895,8 @@
         </p:blipFill>
         <p:spPr>
           <a:xfrm>
-            <a:off x="4292600" y="1314450"/>
-            <a:ext cx="7899400" cy="5543550"/>
+            <a:off x="1077595" y="2059940"/>
+            <a:ext cx="10029825" cy="3619500"/>
           </a:xfrm>
           <a:prstGeom prst="rect">
             <a:avLst/>
@@ -4941,16 +4939,18 @@
           <a:bodyPr/>
           <a:p>
             <a:r>
-              <a:rPr lang="en-US" altLang="zh-CN"/>
-              <a:t>rag\vector_store.py</a:t>
-            </a:r>
-            <a:endParaRPr lang="en-US" altLang="zh-CN"/>
+              <a:rPr lang="en-US" altLang="zh-CN">
+                <a:sym typeface="+mn-ea"/>
+              </a:rPr>
+              <a:t>rag\retriever.py</a:t>
+            </a:r>
+            <a:endParaRPr lang="zh-CN" altLang="en-US"/>
           </a:p>
         </p:txBody>
       </p:sp>
       <p:pic>
         <p:nvPicPr>
-          <p:cNvPr id="5" name="内容占位符 4"/>
+          <p:cNvPr id="4" name="内容占位符 3"/>
           <p:cNvPicPr>
             <a:picLocks noChangeAspect="1"/>
           </p:cNvPicPr>
@@ -4966,8 +4966,8 @@
         </p:blipFill>
         <p:spPr>
           <a:xfrm>
-            <a:off x="1077595" y="2059940"/>
-            <a:ext cx="10029825" cy="3619500"/>
+            <a:off x="4292600" y="1314450"/>
+            <a:ext cx="7899400" cy="5543550"/>
           </a:xfrm>
           <a:prstGeom prst="rect">
             <a:avLst/>
